--- a/KM/ppt/项目管理_201912.pptx
+++ b/KM/ppt/项目管理_201912.pptx
@@ -5,10 +5,10 @@
     <p:sldMasterId id="2147483648" r:id="rId1"/>
   </p:sldMasterIdLst>
   <p:notesMasterIdLst>
-    <p:notesMasterId r:id="rId13"/>
+    <p:notesMasterId r:id="rId14"/>
   </p:notesMasterIdLst>
   <p:handoutMasterIdLst>
-    <p:handoutMasterId r:id="rId14"/>
+    <p:handoutMasterId r:id="rId15"/>
   </p:handoutMasterIdLst>
   <p:sldIdLst>
     <p:sldId id="273" r:id="rId2"/>
@@ -16,12 +16,13 @@
     <p:sldId id="278" r:id="rId4"/>
     <p:sldId id="280" r:id="rId5"/>
     <p:sldId id="279" r:id="rId6"/>
-    <p:sldId id="283" r:id="rId7"/>
-    <p:sldId id="282" r:id="rId8"/>
-    <p:sldId id="284" r:id="rId9"/>
-    <p:sldId id="285" r:id="rId10"/>
-    <p:sldId id="286" r:id="rId11"/>
-    <p:sldId id="281" r:id="rId12"/>
+    <p:sldId id="287" r:id="rId7"/>
+    <p:sldId id="283" r:id="rId8"/>
+    <p:sldId id="282" r:id="rId9"/>
+    <p:sldId id="284" r:id="rId10"/>
+    <p:sldId id="285" r:id="rId11"/>
+    <p:sldId id="286" r:id="rId12"/>
+    <p:sldId id="281" r:id="rId13"/>
   </p:sldIdLst>
   <p:sldSz cx="9144000" cy="5143500" type="screen16x9"/>
   <p:notesSz cx="6858000" cy="9144000"/>
@@ -206,7 +207,7 @@
             <a:fld id="{5F920F0F-0E56-2B45-B1BF-268524318682}" type="datetimeFigureOut">
               <a:rPr kumimoji="1" lang="zh-CN" altLang="en-US" smtClean="0"/>
               <a:pPr/>
-              <a:t>2019/12/21</a:t>
+              <a:t>2019/12/26</a:t>
             </a:fld>
             <a:endParaRPr kumimoji="1" lang="zh-CN" altLang="en-US"/>
           </a:p>
@@ -282,7 +283,7 @@
     </p:spTree>
     <p:extLst>
       <p:ext uri="{BB962C8B-B14F-4D97-AF65-F5344CB8AC3E}">
-        <p14:creationId xmlns:p14="http://schemas.microsoft.com/office/powerpoint/2010/main" xmlns="" val="3407571201"/>
+        <p14:creationId xmlns="" xmlns:p14="http://schemas.microsoft.com/office/powerpoint/2010/main" val="3407571201"/>
       </p:ext>
     </p:extLst>
   </p:cSld>
@@ -374,7 +375,7 @@
             <a:fld id="{FB86081A-1E41-D34E-AC33-11FD77CCCD8D}" type="datetimeFigureOut">
               <a:rPr kumimoji="1" lang="zh-CN" altLang="en-US" smtClean="0"/>
               <a:pPr/>
-              <a:t>2019/12/21</a:t>
+              <a:t>2019/12/26</a:t>
             </a:fld>
             <a:endParaRPr kumimoji="1" lang="zh-CN" altLang="en-US"/>
           </a:p>
@@ -543,7 +544,7 @@
     </p:spTree>
     <p:extLst>
       <p:ext uri="{BB962C8B-B14F-4D97-AF65-F5344CB8AC3E}">
-        <p14:creationId xmlns:p14="http://schemas.microsoft.com/office/powerpoint/2010/main" xmlns="" val="2106316760"/>
+        <p14:creationId xmlns="" xmlns:p14="http://schemas.microsoft.com/office/powerpoint/2010/main" val="2106316760"/>
       </p:ext>
     </p:extLst>
   </p:cSld>
@@ -880,6 +881,14 @@
           </a:bodyPr>
           <a:lstStyle/>
           <a:p>
+            <a:r>
+              <a:rPr lang="zh-CN" altLang="en-US" dirty="0" smtClean="0"/>
+              <a:t>槽点</a:t>
+            </a:r>
+            <a:r>
+              <a:rPr lang="zh-CN" altLang="en-US" baseline="0" dirty="0" smtClean="0"/>
+              <a:t> 对应 节点</a:t>
+            </a:r>
             <a:endParaRPr lang="zh-CN" altLang="en-US" dirty="0"/>
           </a:p>
         </p:txBody>
@@ -1044,44 +1053,6 @@
           </a:bodyPr>
           <a:lstStyle/>
           <a:p>
-            <a:pPr>
-              <a:buNone/>
-            </a:pPr>
-            <a:r>
-              <a:rPr lang="zh-CN" altLang="en-US" dirty="0" smtClean="0"/>
-              <a:t>里面关键词</a:t>
-            </a:r>
-          </a:p>
-          <a:p>
-            <a:pPr>
-              <a:buNone/>
-            </a:pPr>
-            <a:r>
-              <a:rPr lang="en-US" dirty="0" smtClean="0"/>
-              <a:t>Replicated state machine </a:t>
-            </a:r>
-          </a:p>
-          <a:p>
-            <a:pPr>
-              <a:buNone/>
-            </a:pPr>
-            <a:r>
-              <a:rPr lang="en-US" altLang="zh-CN" dirty="0" smtClean="0"/>
-              <a:t>Server </a:t>
-            </a:r>
-            <a:r>
-              <a:rPr lang="en-US" dirty="0" smtClean="0"/>
-              <a:t>rules repeatedly </a:t>
-            </a:r>
-          </a:p>
-          <a:p>
-            <a:pPr>
-              <a:buNone/>
-            </a:pPr>
-            <a:r>
-              <a:rPr lang="en-US" dirty="0" smtClean="0"/>
-              <a:t>Server states </a:t>
-            </a:r>
             <a:endParaRPr lang="zh-CN" altLang="en-US" dirty="0"/>
           </a:p>
         </p:txBody>
@@ -1164,6 +1135,126 @@
           </a:bodyPr>
           <a:lstStyle/>
           <a:p>
+            <a:pPr>
+              <a:buNone/>
+            </a:pPr>
+            <a:r>
+              <a:rPr lang="zh-CN" altLang="en-US" dirty="0" smtClean="0"/>
+              <a:t>里面关键词</a:t>
+            </a:r>
+          </a:p>
+          <a:p>
+            <a:pPr>
+              <a:buNone/>
+            </a:pPr>
+            <a:r>
+              <a:rPr lang="en-US" dirty="0" smtClean="0"/>
+              <a:t>Replicated state machine </a:t>
+            </a:r>
+          </a:p>
+          <a:p>
+            <a:pPr>
+              <a:buNone/>
+            </a:pPr>
+            <a:r>
+              <a:rPr lang="en-US" altLang="zh-CN" dirty="0" smtClean="0"/>
+              <a:t>Server </a:t>
+            </a:r>
+            <a:r>
+              <a:rPr lang="en-US" dirty="0" smtClean="0"/>
+              <a:t>rules repeatedly </a:t>
+            </a:r>
+          </a:p>
+          <a:p>
+            <a:pPr>
+              <a:buNone/>
+            </a:pPr>
+            <a:r>
+              <a:rPr lang="en-US" dirty="0" smtClean="0"/>
+              <a:t>Server states </a:t>
+            </a:r>
+            <a:endParaRPr lang="zh-CN" altLang="en-US" dirty="0"/>
+          </a:p>
+        </p:txBody>
+      </p:sp>
+      <p:sp>
+        <p:nvSpPr>
+          <p:cNvPr id="4" name="灯片编号占位符 3"/>
+          <p:cNvSpPr>
+            <a:spLocks noGrp="1"/>
+          </p:cNvSpPr>
+          <p:nvPr>
+            <p:ph type="sldNum" sz="quarter" idx="10"/>
+          </p:nvPr>
+        </p:nvSpPr>
+        <p:spPr/>
+        <p:txBody>
+          <a:bodyPr/>
+          <a:lstStyle/>
+          <a:p>
+            <a:fld id="{8AF453D5-9B32-8F40-BF12-CF5772967439}" type="slidenum">
+              <a:rPr kumimoji="1" lang="zh-CN" altLang="en-US" smtClean="0"/>
+              <a:pPr/>
+              <a:t>7</a:t>
+            </a:fld>
+            <a:endParaRPr kumimoji="1" lang="zh-CN" altLang="en-US"/>
+          </a:p>
+        </p:txBody>
+      </p:sp>
+    </p:spTree>
+  </p:cSld>
+  <p:clrMapOvr>
+    <a:masterClrMapping/>
+  </p:clrMapOvr>
+</p:notes>
+</file>
+
+<file path=ppt/notesSlides/notesSlide6.xml><?xml version="1.0" encoding="utf-8"?>
+<p:notes xmlns:a="http://schemas.openxmlformats.org/drawingml/2006/main" xmlns:r="http://schemas.openxmlformats.org/officeDocument/2006/relationships" xmlns:p="http://schemas.openxmlformats.org/presentationml/2006/main">
+  <p:cSld>
+    <p:spTree>
+      <p:nvGrpSpPr>
+        <p:cNvPr id="1" name=""/>
+        <p:cNvGrpSpPr/>
+        <p:nvPr/>
+      </p:nvGrpSpPr>
+      <p:grpSpPr>
+        <a:xfrm>
+          <a:off x="0" y="0"/>
+          <a:ext cx="0" cy="0"/>
+          <a:chOff x="0" y="0"/>
+          <a:chExt cx="0" cy="0"/>
+        </a:xfrm>
+      </p:grpSpPr>
+      <p:sp>
+        <p:nvSpPr>
+          <p:cNvPr id="2" name="幻灯片图像占位符 1"/>
+          <p:cNvSpPr>
+            <a:spLocks noGrp="1" noRot="1" noChangeAspect="1"/>
+          </p:cNvSpPr>
+          <p:nvPr>
+            <p:ph type="sldImg"/>
+          </p:nvPr>
+        </p:nvSpPr>
+        <p:spPr/>
+      </p:sp>
+      <p:sp>
+        <p:nvSpPr>
+          <p:cNvPr id="3" name="备注占位符 2"/>
+          <p:cNvSpPr>
+            <a:spLocks noGrp="1"/>
+          </p:cNvSpPr>
+          <p:nvPr>
+            <p:ph type="body" idx="1"/>
+          </p:nvPr>
+        </p:nvSpPr>
+        <p:spPr/>
+        <p:txBody>
+          <a:bodyPr>
+            <a:normAutofit/>
+          </a:bodyPr>
+          <a:lstStyle/>
+          <a:p>
             <a:r>
               <a:rPr lang="en-US" dirty="0" smtClean="0">
                 <a:hlinkClick r:id="rId3"/>
@@ -1192,7 +1283,7 @@
             <a:fld id="{8AF453D5-9B32-8F40-BF12-CF5772967439}" type="slidenum">
               <a:rPr kumimoji="1" lang="zh-CN" altLang="en-US" smtClean="0"/>
               <a:pPr/>
-              <a:t>7</a:t>
+              <a:t>8</a:t>
             </a:fld>
             <a:endParaRPr kumimoji="1" lang="zh-CN" altLang="en-US"/>
           </a:p>
@@ -1235,7 +1326,7 @@
           <a:blip r:embed="rId2">
             <a:extLst>
               <a:ext uri="{28A0092B-C50C-407E-A947-70E740481C1C}">
-                <a14:useLocalDpi xmlns:a14="http://schemas.microsoft.com/office/drawing/2010/main" xmlns="" val="0"/>
+                <a14:useLocalDpi xmlns="" xmlns:a14="http://schemas.microsoft.com/office/drawing/2010/main" val="0"/>
               </a:ext>
             </a:extLst>
           </a:blip>
@@ -1524,7 +1615,7 @@
           <a:blip r:embed="rId3">
             <a:extLst>
               <a:ext uri="{28A0092B-C50C-407E-A947-70E740481C1C}">
-                <a14:useLocalDpi xmlns:a14="http://schemas.microsoft.com/office/drawing/2010/main" xmlns="" val="0"/>
+                <a14:useLocalDpi xmlns="" xmlns:a14="http://schemas.microsoft.com/office/drawing/2010/main" val="0"/>
               </a:ext>
             </a:extLst>
           </a:blip>
@@ -1820,7 +1911,7 @@
           <a:blip r:embed="rId2">
             <a:extLst>
               <a:ext uri="{28A0092B-C50C-407E-A947-70E740481C1C}">
-                <a14:useLocalDpi xmlns:a14="http://schemas.microsoft.com/office/drawing/2010/main" xmlns="" val="0"/>
+                <a14:useLocalDpi xmlns="" xmlns:a14="http://schemas.microsoft.com/office/drawing/2010/main" val="0"/>
               </a:ext>
             </a:extLst>
           </a:blip>
@@ -1850,7 +1941,7 @@
           <a:blip r:embed="rId3">
             <a:extLst>
               <a:ext uri="{28A0092B-C50C-407E-A947-70E740481C1C}">
-                <a14:useLocalDpi xmlns:a14="http://schemas.microsoft.com/office/drawing/2010/main" xmlns="" val="0"/>
+                <a14:useLocalDpi xmlns="" xmlns:a14="http://schemas.microsoft.com/office/drawing/2010/main" val="0"/>
               </a:ext>
             </a:extLst>
           </a:blip>
@@ -2122,7 +2213,7 @@
           <a:blip r:embed="rId2">
             <a:extLst>
               <a:ext uri="{28A0092B-C50C-407E-A947-70E740481C1C}">
-                <a14:useLocalDpi xmlns:a14="http://schemas.microsoft.com/office/drawing/2010/main" xmlns="" val="0"/>
+                <a14:useLocalDpi xmlns="" xmlns:a14="http://schemas.microsoft.com/office/drawing/2010/main" val="0"/>
               </a:ext>
             </a:extLst>
           </a:blip>
@@ -2152,7 +2243,7 @@
           <a:blip r:embed="rId3">
             <a:extLst>
               <a:ext uri="{28A0092B-C50C-407E-A947-70E740481C1C}">
-                <a14:useLocalDpi xmlns:a14="http://schemas.microsoft.com/office/drawing/2010/main" xmlns="" val="0"/>
+                <a14:useLocalDpi xmlns="" xmlns:a14="http://schemas.microsoft.com/office/drawing/2010/main" val="0"/>
               </a:ext>
             </a:extLst>
           </a:blip>
@@ -2488,7 +2579,7 @@
           <a:blip r:embed="rId2">
             <a:extLst>
               <a:ext uri="{28A0092B-C50C-407E-A947-70E740481C1C}">
-                <a14:useLocalDpi xmlns:a14="http://schemas.microsoft.com/office/drawing/2010/main" xmlns="" val="0"/>
+                <a14:useLocalDpi xmlns="" xmlns:a14="http://schemas.microsoft.com/office/drawing/2010/main" val="0"/>
               </a:ext>
             </a:extLst>
           </a:blip>
@@ -2518,7 +2609,7 @@
           <a:blip r:embed="rId3">
             <a:extLst>
               <a:ext uri="{28A0092B-C50C-407E-A947-70E740481C1C}">
-                <a14:useLocalDpi xmlns:a14="http://schemas.microsoft.com/office/drawing/2010/main" xmlns="" val="0"/>
+                <a14:useLocalDpi xmlns="" xmlns:a14="http://schemas.microsoft.com/office/drawing/2010/main" val="0"/>
               </a:ext>
             </a:extLst>
           </a:blip>
@@ -2833,7 +2924,7 @@
           <a:blip r:embed="rId2">
             <a:extLst>
               <a:ext uri="{28A0092B-C50C-407E-A947-70E740481C1C}">
-                <a14:useLocalDpi xmlns:a14="http://schemas.microsoft.com/office/drawing/2010/main" xmlns="" val="0"/>
+                <a14:useLocalDpi xmlns="" xmlns:a14="http://schemas.microsoft.com/office/drawing/2010/main" val="0"/>
               </a:ext>
             </a:extLst>
           </a:blip>
@@ -2863,7 +2954,7 @@
           <a:blip r:embed="rId3">
             <a:extLst>
               <a:ext uri="{28A0092B-C50C-407E-A947-70E740481C1C}">
-                <a14:useLocalDpi xmlns:a14="http://schemas.microsoft.com/office/drawing/2010/main" xmlns="" val="0"/>
+                <a14:useLocalDpi xmlns="" xmlns:a14="http://schemas.microsoft.com/office/drawing/2010/main" val="0"/>
               </a:ext>
             </a:extLst>
           </a:blip>
@@ -3055,7 +3146,7 @@
             <a:fld id="{7BC3C6E0-25AE-8A44-A617-CADD813DE539}" type="datetime1">
               <a:rPr lang="zh-CN" altLang="en-US" smtClean="0"/>
               <a:pPr/>
-              <a:t>2019/12/21</a:t>
+              <a:t>2019/12/26</a:t>
             </a:fld>
             <a:endParaRPr lang="zh-CN" altLang="en-US" dirty="0"/>
           </a:p>
@@ -3279,7 +3370,7 @@
           <a:blip r:embed="rId2">
             <a:extLst>
               <a:ext uri="{28A0092B-C50C-407E-A947-70E740481C1C}">
-                <a14:useLocalDpi xmlns:a14="http://schemas.microsoft.com/office/drawing/2010/main" xmlns="" val="0"/>
+                <a14:useLocalDpi xmlns="" xmlns:a14="http://schemas.microsoft.com/office/drawing/2010/main" val="0"/>
               </a:ext>
             </a:extLst>
           </a:blip>
@@ -3465,7 +3556,7 @@
             <a:fld id="{B8DE94C4-0AC0-E74D-83DE-D1778C094258}" type="datetime1">
               <a:rPr lang="zh-CN" altLang="en-US" smtClean="0"/>
               <a:pPr/>
-              <a:t>2019/12/21</a:t>
+              <a:t>2019/12/26</a:t>
             </a:fld>
             <a:endParaRPr lang="zh-CN" altLang="en-US" dirty="0"/>
           </a:p>
@@ -3985,21 +4076,124 @@
           <a:bodyPr/>
           <a:lstStyle/>
           <a:p>
-            <a:endParaRPr b="1" dirty="0"/>
-          </a:p>
-          <a:p>
-            <a:r>
-              <a:rPr lang="en-US" smtClean="0">
-                <a:hlinkClick r:id="rId2"/>
-              </a:rPr>
-              <a:t>http</a:t>
-            </a:r>
-            <a:r>
-              <a:rPr lang="en-US" dirty="0">
-                <a:hlinkClick r:id="rId2"/>
-              </a:rPr>
-              <a:t>://localhost:1313/post/DataBase/server_redis/</a:t>
-            </a:r>
+            <a:r>
+              <a:rPr lang="en-US" altLang="zh-CN" dirty="0" smtClean="0"/>
+              <a:t>Slave</a:t>
+            </a:r>
+            <a:r>
+              <a:rPr dirty="0" smtClean="0"/>
+              <a:t>：</a:t>
+            </a:r>
+            <a:r>
+              <a:rPr altLang="en-US" dirty="0" smtClean="0"/>
+              <a:t>回滚失败怎么办？</a:t>
+            </a:r>
+            <a:r>
+              <a:rPr lang="en-US" altLang="en-US" dirty="0" smtClean="0"/>
+              <a:t>(</a:t>
+            </a:r>
+            <a:r>
+              <a:rPr altLang="en-US" dirty="0" smtClean="0"/>
+              <a:t>如果是业务问题肯定无法解决，过网络和主机问题可以</a:t>
+            </a:r>
+            <a:r>
+              <a:rPr lang="en-US" altLang="en-US" dirty="0" smtClean="0"/>
+              <a:t>)</a:t>
+            </a:r>
+          </a:p>
+          <a:p>
+            <a:r>
+              <a:rPr lang="en-US" altLang="zh-CN" dirty="0" err="1" smtClean="0"/>
+              <a:t>commIndex</a:t>
+            </a:r>
+            <a:r>
+              <a:rPr dirty="0" smtClean="0"/>
+              <a:t>如何界定</a:t>
+            </a:r>
+            <a:endParaRPr lang="en-US" dirty="0" smtClean="0"/>
+          </a:p>
+          <a:p>
+            <a:r>
+              <a:rPr lang="en-US" altLang="zh-CN" dirty="0"/>
+              <a:t>Leader </a:t>
+            </a:r>
+            <a:r>
+              <a:rPr dirty="0"/>
+              <a:t>全部</a:t>
+            </a:r>
+            <a:r>
+              <a:rPr lang="en-US" altLang="zh-CN" dirty="0"/>
+              <a:t>get </a:t>
+            </a:r>
+            <a:r>
+              <a:rPr lang="en-US" altLang="zh-CN" dirty="0" err="1" smtClean="0"/>
+              <a:t>commited</a:t>
+            </a:r>
+            <a:r>
+              <a:rPr lang="en-US" altLang="zh-CN" dirty="0" smtClean="0"/>
+              <a:t> </a:t>
+            </a:r>
+            <a:r>
+              <a:rPr dirty="0" smtClean="0"/>
+              <a:t>，然后马上失败怎办？（一般， 特殊情 客户端再次查询）</a:t>
+            </a:r>
+            <a:endParaRPr lang="en-US" dirty="0" smtClean="0"/>
+          </a:p>
+          <a:p>
+            <a:r>
+              <a:rPr dirty="0" smtClean="0"/>
+              <a:t>这个地方一致是模糊地方，被问</a:t>
+            </a:r>
+            <a:r>
+              <a:rPr lang="en-US" dirty="0" smtClean="0"/>
+              <a:t>N</a:t>
+            </a:r>
+            <a:r>
+              <a:rPr dirty="0" smtClean="0"/>
+              <a:t>次，从来没有正确回复过</a:t>
+            </a:r>
+            <a:endParaRPr lang="en-US" dirty="0" smtClean="0"/>
+          </a:p>
+          <a:p>
+            <a:r>
+              <a:rPr lang="en-US" dirty="0" smtClean="0"/>
+              <a:t>(</a:t>
+            </a:r>
+            <a:r>
+              <a:rPr dirty="0" smtClean="0"/>
+              <a:t>客户端肯定失败，内部保持统一，需要客户端再次查询</a:t>
+            </a:r>
+            <a:r>
+              <a:rPr lang="en-US" dirty="0" smtClean="0"/>
+              <a:t>)</a:t>
+            </a:r>
+          </a:p>
+          <a:p>
+            <a:r>
+              <a:rPr dirty="0"/>
+              <a:t>服务</a:t>
+            </a:r>
+            <a:r>
+              <a:rPr dirty="0" smtClean="0"/>
+              <a:t>状态变化：</a:t>
+            </a:r>
+            <a:endParaRPr lang="en-US" dirty="0" smtClean="0"/>
+          </a:p>
+          <a:p>
+            <a:r>
+              <a:rPr dirty="0" smtClean="0"/>
+              <a:t>业务的数据变化</a:t>
+            </a:r>
+            <a:endParaRPr lang="en-US" dirty="0" smtClean="0"/>
+          </a:p>
+          <a:p>
+            <a:r>
+              <a:rPr smtClean="0"/>
+              <a:t>内存管理</a:t>
+            </a:r>
+            <a:endParaRPr dirty="0"/>
+          </a:p>
+          <a:p>
             <a:endParaRPr lang="zh-CN" altLang="en-US" dirty="0"/>
           </a:p>
         </p:txBody>
@@ -4021,11 +4215,7 @@
           <a:p>
             <a:r>
               <a:rPr lang="en-US" altLang="zh-CN" dirty="0" smtClean="0"/>
-              <a:t> </a:t>
-            </a:r>
-            <a:r>
-              <a:rPr lang="en-US" altLang="zh-CN" dirty="0" err="1" smtClean="0"/>
-              <a:t>redis</a:t>
+              <a:t> MDB</a:t>
             </a:r>
             <a:endParaRPr lang="zh-CN" altLang="en-US" dirty="0"/>
           </a:p>
@@ -4040,6 +4230,92 @@
 </file>
 
 <file path=ppt/slides/slide11.xml><?xml version="1.0" encoding="utf-8"?>
+<p:sld xmlns:a="http://schemas.openxmlformats.org/drawingml/2006/main" xmlns:r="http://schemas.openxmlformats.org/officeDocument/2006/relationships" xmlns:p="http://schemas.openxmlformats.org/presentationml/2006/main">
+  <p:cSld>
+    <p:spTree>
+      <p:nvGrpSpPr>
+        <p:cNvPr id="1" name=""/>
+        <p:cNvGrpSpPr/>
+        <p:nvPr/>
+      </p:nvGrpSpPr>
+      <p:grpSpPr>
+        <a:xfrm>
+          <a:off x="0" y="0"/>
+          <a:ext cx="0" cy="0"/>
+          <a:chOff x="0" y="0"/>
+          <a:chExt cx="0" cy="0"/>
+        </a:xfrm>
+      </p:grpSpPr>
+      <p:sp>
+        <p:nvSpPr>
+          <p:cNvPr id="2" name="内容占位符 1"/>
+          <p:cNvSpPr>
+            <a:spLocks noGrp="1"/>
+          </p:cNvSpPr>
+          <p:nvPr>
+            <p:ph idx="1"/>
+          </p:nvPr>
+        </p:nvSpPr>
+        <p:spPr/>
+        <p:txBody>
+          <a:bodyPr/>
+          <a:lstStyle/>
+          <a:p>
+            <a:endParaRPr b="1" dirty="0"/>
+          </a:p>
+          <a:p>
+            <a:r>
+              <a:rPr lang="en-US" smtClean="0">
+                <a:hlinkClick r:id="rId2"/>
+              </a:rPr>
+              <a:t>http</a:t>
+            </a:r>
+            <a:r>
+              <a:rPr lang="en-US" dirty="0">
+                <a:hlinkClick r:id="rId2"/>
+              </a:rPr>
+              <a:t>://localhost:1313/post/DataBase/server_redis/</a:t>
+            </a:r>
+            <a:endParaRPr lang="zh-CN" altLang="en-US" dirty="0"/>
+          </a:p>
+        </p:txBody>
+      </p:sp>
+      <p:sp>
+        <p:nvSpPr>
+          <p:cNvPr id="3" name="标题 2"/>
+          <p:cNvSpPr>
+            <a:spLocks noGrp="1"/>
+          </p:cNvSpPr>
+          <p:nvPr>
+            <p:ph type="title"/>
+          </p:nvPr>
+        </p:nvSpPr>
+        <p:spPr/>
+        <p:txBody>
+          <a:bodyPr/>
+          <a:lstStyle/>
+          <a:p>
+            <a:r>
+              <a:rPr lang="en-US" altLang="zh-CN" dirty="0" smtClean="0"/>
+              <a:t> </a:t>
+            </a:r>
+            <a:r>
+              <a:rPr lang="en-US" altLang="zh-CN" dirty="0" err="1" smtClean="0"/>
+              <a:t>redis</a:t>
+            </a:r>
+            <a:endParaRPr lang="zh-CN" altLang="en-US" dirty="0"/>
+          </a:p>
+        </p:txBody>
+      </p:sp>
+    </p:spTree>
+  </p:cSld>
+  <p:clrMapOvr>
+    <a:masterClrMapping/>
+  </p:clrMapOvr>
+</p:sld>
+</file>
+
+<file path=ppt/slides/slide12.xml><?xml version="1.0" encoding="utf-8"?>
 <p:sld xmlns:a="http://schemas.openxmlformats.org/drawingml/2006/main" xmlns:r="http://schemas.openxmlformats.org/officeDocument/2006/relationships" xmlns:p="http://schemas.openxmlformats.org/presentationml/2006/main">
   <p:cSld>
     <p:spTree>
@@ -4462,6 +4738,13 @@
   <p:clrMapOvr>
     <a:masterClrMapping/>
   </p:clrMapOvr>
+  <p:timing>
+    <p:tnLst>
+      <p:par>
+        <p:cTn id="1" dur="indefinite" restart="never" nodeType="tmRoot"/>
+      </p:par>
+    </p:tnLst>
+  </p:timing>
 </p:sld>
 </file>
 
@@ -4742,6 +5025,144 @@
           <a:bodyPr/>
           <a:lstStyle/>
           <a:p>
+            <a:r>
+              <a:rPr altLang="en-US" dirty="0" smtClean="0"/>
+              <a:t>业务如何平滑升级</a:t>
+            </a:r>
+            <a:endParaRPr lang="en-US" altLang="en-US" dirty="0" smtClean="0"/>
+          </a:p>
+          <a:p>
+            <a:pPr>
+              <a:buNone/>
+            </a:pPr>
+            <a:r>
+              <a:rPr altLang="en-US" dirty="0" smtClean="0"/>
+              <a:t>对于产品 </a:t>
+            </a:r>
+            <a:r>
+              <a:rPr lang="en-US" altLang="zh-CN" dirty="0" smtClean="0"/>
+              <a:t>nginx</a:t>
+            </a:r>
+            <a:r>
+              <a:rPr dirty="0" smtClean="0"/>
+              <a:t>，</a:t>
+            </a:r>
+            <a:r>
+              <a:rPr lang="en-US" dirty="0" smtClean="0"/>
+              <a:t>S</a:t>
+            </a:r>
+            <a:r>
+              <a:rPr lang="en-US" altLang="zh-CN" dirty="0" smtClean="0"/>
+              <a:t>trom</a:t>
+            </a:r>
+            <a:endParaRPr lang="en-US" altLang="en-US" dirty="0"/>
+          </a:p>
+          <a:p>
+            <a:endParaRPr lang="en-US" altLang="en-US" dirty="0" smtClean="0"/>
+          </a:p>
+          <a:p>
+            <a:pPr>
+              <a:buNone/>
+            </a:pPr>
+            <a:endParaRPr lang="en-US" altLang="en-US" dirty="0" smtClean="0"/>
+          </a:p>
+          <a:p>
+            <a:r>
+              <a:rPr altLang="en-US" dirty="0" smtClean="0"/>
+              <a:t>数据呢</a:t>
+            </a:r>
+            <a:endParaRPr lang="zh-CN" altLang="en-US" dirty="0"/>
+          </a:p>
+        </p:txBody>
+      </p:sp>
+      <p:sp>
+        <p:nvSpPr>
+          <p:cNvPr id="3" name="标题 2"/>
+          <p:cNvSpPr>
+            <a:spLocks noGrp="1"/>
+          </p:cNvSpPr>
+          <p:nvPr>
+            <p:ph type="title"/>
+          </p:nvPr>
+        </p:nvSpPr>
+        <p:spPr/>
+        <p:txBody>
+          <a:bodyPr>
+            <a:normAutofit fontScale="90000"/>
+          </a:bodyPr>
+          <a:lstStyle/>
+          <a:p>
+            <a:r>
+              <a:rPr lang="zh-CN" altLang="en-US" dirty="0" smtClean="0"/>
+              <a:t>线服务状态下平滑</a:t>
+            </a:r>
+            <a:r>
+              <a:rPr lang="zh-CN" altLang="en-US" dirty="0" smtClean="0"/>
+              <a:t>升级</a:t>
+            </a:r>
+            <a:r>
+              <a:rPr lang="en-US" altLang="zh-CN" dirty="0" smtClean="0"/>
+              <a:t>【</a:t>
+            </a:r>
+            <a:r>
+              <a:rPr lang="zh-CN" altLang="en-US" dirty="0" smtClean="0"/>
+              <a:t>你没有回答出来</a:t>
+            </a:r>
+            <a:r>
+              <a:rPr lang="en-US" altLang="zh-CN" dirty="0" smtClean="0"/>
+              <a:t>】</a:t>
+            </a:r>
+            <a:r>
+              <a:rPr lang="zh-CN" altLang="en-US" dirty="0" smtClean="0"/>
+              <a:t/>
+            </a:r>
+            <a:br>
+              <a:rPr lang="zh-CN" altLang="en-US" dirty="0" smtClean="0"/>
+            </a:br>
+            <a:endParaRPr lang="zh-CN" altLang="en-US" dirty="0"/>
+          </a:p>
+        </p:txBody>
+      </p:sp>
+    </p:spTree>
+  </p:cSld>
+  <p:clrMapOvr>
+    <a:masterClrMapping/>
+  </p:clrMapOvr>
+</p:sld>
+</file>
+
+<file path=ppt/slides/slide7.xml><?xml version="1.0" encoding="utf-8"?>
+<p:sld xmlns:a="http://schemas.openxmlformats.org/drawingml/2006/main" xmlns:r="http://schemas.openxmlformats.org/officeDocument/2006/relationships" xmlns:p="http://schemas.openxmlformats.org/presentationml/2006/main">
+  <p:cSld>
+    <p:spTree>
+      <p:nvGrpSpPr>
+        <p:cNvPr id="1" name=""/>
+        <p:cNvGrpSpPr/>
+        <p:nvPr/>
+      </p:nvGrpSpPr>
+      <p:grpSpPr>
+        <a:xfrm>
+          <a:off x="0" y="0"/>
+          <a:ext cx="0" cy="0"/>
+          <a:chOff x="0" y="0"/>
+          <a:chExt cx="0" cy="0"/>
+        </a:xfrm>
+      </p:grpSpPr>
+      <p:sp>
+        <p:nvSpPr>
+          <p:cNvPr id="2" name="内容占位符 1"/>
+          <p:cNvSpPr>
+            <a:spLocks noGrp="1"/>
+          </p:cNvSpPr>
+          <p:nvPr>
+            <p:ph idx="1"/>
+          </p:nvPr>
+        </p:nvSpPr>
+        <p:spPr/>
+        <p:txBody>
+          <a:bodyPr/>
+          <a:lstStyle/>
+          <a:p>
             <a:endParaRPr lang="zh-CN" altLang="en-US"/>
           </a:p>
         </p:txBody>
@@ -4839,7 +5260,7 @@
 </p:sld>
 </file>
 
-<file path=ppt/slides/slide7.xml><?xml version="1.0" encoding="utf-8"?>
+<file path=ppt/slides/slide8.xml><?xml version="1.0" encoding="utf-8"?>
 <p:sld xmlns:a="http://schemas.openxmlformats.org/drawingml/2006/main" xmlns:r="http://schemas.openxmlformats.org/officeDocument/2006/relationships" xmlns:p="http://schemas.openxmlformats.org/presentationml/2006/main">
   <p:cSld>
     <p:spTree>
@@ -5124,7 +5545,7 @@
 </p:sld>
 </file>
 
-<file path=ppt/slides/slide8.xml><?xml version="1.0" encoding="utf-8"?>
+<file path=ppt/slides/slide9.xml><?xml version="1.0" encoding="utf-8"?>
 <p:sld xmlns:a="http://schemas.openxmlformats.org/drawingml/2006/main" xmlns:r="http://schemas.openxmlformats.org/officeDocument/2006/relationships" xmlns:p="http://schemas.openxmlformats.org/presentationml/2006/main">
   <p:cSld>
     <p:spTree>
@@ -5305,191 +5726,6 @@
           <a:effectLst/>
         </p:spPr>
       </p:pic>
-    </p:spTree>
-  </p:cSld>
-  <p:clrMapOvr>
-    <a:masterClrMapping/>
-  </p:clrMapOvr>
-</p:sld>
-</file>
-
-<file path=ppt/slides/slide9.xml><?xml version="1.0" encoding="utf-8"?>
-<p:sld xmlns:a="http://schemas.openxmlformats.org/drawingml/2006/main" xmlns:r="http://schemas.openxmlformats.org/officeDocument/2006/relationships" xmlns:p="http://schemas.openxmlformats.org/presentationml/2006/main">
-  <p:cSld>
-    <p:spTree>
-      <p:nvGrpSpPr>
-        <p:cNvPr id="1" name=""/>
-        <p:cNvGrpSpPr/>
-        <p:nvPr/>
-      </p:nvGrpSpPr>
-      <p:grpSpPr>
-        <a:xfrm>
-          <a:off x="0" y="0"/>
-          <a:ext cx="0" cy="0"/>
-          <a:chOff x="0" y="0"/>
-          <a:chExt cx="0" cy="0"/>
-        </a:xfrm>
-      </p:grpSpPr>
-      <p:sp>
-        <p:nvSpPr>
-          <p:cNvPr id="2" name="内容占位符 1"/>
-          <p:cNvSpPr>
-            <a:spLocks noGrp="1"/>
-          </p:cNvSpPr>
-          <p:nvPr>
-            <p:ph idx="1"/>
-          </p:nvPr>
-        </p:nvSpPr>
-        <p:spPr/>
-        <p:txBody>
-          <a:bodyPr/>
-          <a:lstStyle/>
-          <a:p>
-            <a:r>
-              <a:rPr lang="en-US" altLang="zh-CN" dirty="0" smtClean="0"/>
-              <a:t>Slave</a:t>
-            </a:r>
-            <a:r>
-              <a:rPr dirty="0" smtClean="0"/>
-              <a:t>：</a:t>
-            </a:r>
-            <a:r>
-              <a:rPr altLang="en-US" dirty="0" smtClean="0"/>
-              <a:t>回滚失败怎么办？</a:t>
-            </a:r>
-            <a:r>
-              <a:rPr lang="en-US" altLang="en-US" dirty="0" smtClean="0"/>
-              <a:t>(</a:t>
-            </a:r>
-            <a:r>
-              <a:rPr altLang="en-US" dirty="0" smtClean="0"/>
-              <a:t>如果是业务问题肯定无法解决，过网络和主机问题可以</a:t>
-            </a:r>
-            <a:r>
-              <a:rPr lang="en-US" altLang="en-US" dirty="0" smtClean="0"/>
-              <a:t>)</a:t>
-            </a:r>
-          </a:p>
-          <a:p>
-            <a:r>
-              <a:rPr lang="en-US" altLang="zh-CN" dirty="0" err="1" smtClean="0"/>
-              <a:t>commIndex</a:t>
-            </a:r>
-            <a:r>
-              <a:rPr dirty="0" smtClean="0"/>
-              <a:t>如何界定</a:t>
-            </a:r>
-            <a:endParaRPr lang="en-US" dirty="0" smtClean="0"/>
-          </a:p>
-          <a:p>
-            <a:r>
-              <a:rPr lang="en-US" altLang="zh-CN" dirty="0"/>
-              <a:t>Leader </a:t>
-            </a:r>
-            <a:r>
-              <a:rPr dirty="0"/>
-              <a:t>全部</a:t>
-            </a:r>
-            <a:r>
-              <a:rPr lang="en-US" altLang="zh-CN" dirty="0"/>
-              <a:t>get </a:t>
-            </a:r>
-            <a:r>
-              <a:rPr lang="en-US" altLang="zh-CN" dirty="0" err="1" smtClean="0"/>
-              <a:t>commited</a:t>
-            </a:r>
-            <a:r>
-              <a:rPr lang="en-US" altLang="zh-CN" dirty="0" smtClean="0"/>
-              <a:t> </a:t>
-            </a:r>
-            <a:r>
-              <a:rPr dirty="0" smtClean="0"/>
-              <a:t>，然后马上失败怎办？（一般， 特殊情 客户端再次查询）</a:t>
-            </a:r>
-            <a:endParaRPr lang="en-US" dirty="0" smtClean="0"/>
-          </a:p>
-          <a:p>
-            <a:r>
-              <a:rPr dirty="0" smtClean="0"/>
-              <a:t>这个地方一致是模糊地方，被问</a:t>
-            </a:r>
-            <a:r>
-              <a:rPr lang="en-US" dirty="0" smtClean="0"/>
-              <a:t>N</a:t>
-            </a:r>
-            <a:r>
-              <a:rPr dirty="0" smtClean="0"/>
-              <a:t>次，从来没有正确回复过</a:t>
-            </a:r>
-            <a:endParaRPr lang="en-US" dirty="0" smtClean="0"/>
-          </a:p>
-          <a:p>
-            <a:r>
-              <a:rPr lang="en-US" dirty="0" smtClean="0"/>
-              <a:t>(</a:t>
-            </a:r>
-            <a:r>
-              <a:rPr dirty="0" smtClean="0"/>
-              <a:t>客户端肯定失败，内部保持统一，需要客户端再次查询</a:t>
-            </a:r>
-            <a:r>
-              <a:rPr lang="en-US" dirty="0" smtClean="0"/>
-              <a:t>)</a:t>
-            </a:r>
-          </a:p>
-          <a:p>
-            <a:r>
-              <a:rPr dirty="0"/>
-              <a:t>服务</a:t>
-            </a:r>
-            <a:r>
-              <a:rPr dirty="0" smtClean="0"/>
-              <a:t>状态变化：</a:t>
-            </a:r>
-            <a:endParaRPr lang="en-US" dirty="0" smtClean="0"/>
-          </a:p>
-          <a:p>
-            <a:r>
-              <a:rPr dirty="0" smtClean="0"/>
-              <a:t>业务的数据变化</a:t>
-            </a:r>
-            <a:endParaRPr lang="en-US" dirty="0" smtClean="0"/>
-          </a:p>
-          <a:p>
-            <a:r>
-              <a:rPr smtClean="0"/>
-              <a:t>内存管理</a:t>
-            </a:r>
-            <a:endParaRPr dirty="0"/>
-          </a:p>
-          <a:p>
-            <a:endParaRPr lang="zh-CN" altLang="en-US" dirty="0"/>
-          </a:p>
-        </p:txBody>
-      </p:sp>
-      <p:sp>
-        <p:nvSpPr>
-          <p:cNvPr id="3" name="标题 2"/>
-          <p:cNvSpPr>
-            <a:spLocks noGrp="1"/>
-          </p:cNvSpPr>
-          <p:nvPr>
-            <p:ph type="title"/>
-          </p:nvPr>
-        </p:nvSpPr>
-        <p:spPr/>
-        <p:txBody>
-          <a:bodyPr/>
-          <a:lstStyle/>
-          <a:p>
-            <a:r>
-              <a:rPr lang="en-US" altLang="zh-CN" dirty="0" smtClean="0"/>
-              <a:t> MDB</a:t>
-            </a:r>
-            <a:endParaRPr lang="zh-CN" altLang="en-US" dirty="0"/>
-          </a:p>
-        </p:txBody>
-      </p:sp>
     </p:spTree>
   </p:cSld>
   <p:clrMapOvr>
@@ -5830,7 +6066,7 @@
   <a:extraClrSchemeLst/>
   <a:extLst>
     <a:ext uri="{05A4C25C-085E-4340-85A3-A5531E510DB2}">
-      <thm15:themeFamily xmlns="" xmlns:thm15="http://schemas.microsoft.com/office/thememl/2012/main" name="Office Theme" id="{62F939B6-93AF-4DB8-9C6B-D6C7DFDC589F}" vid="{4A3C46E8-61CC-4603-A589-7422A47A8E4A}"/>
+      <thm15:themeFamily xmlns:thm15="http://schemas.microsoft.com/office/thememl/2012/main" xmlns="" name="Office Theme" id="{62F939B6-93AF-4DB8-9C6B-D6C7DFDC589F}" vid="{4A3C46E8-61CC-4603-A589-7422A47A8E4A}"/>
     </a:ext>
   </a:extLst>
 </a:theme>
@@ -6091,7 +6327,7 @@
   <a:extraClrSchemeLst/>
   <a:extLst>
     <a:ext uri="{05A4C25C-085E-4340-85A3-A5531E510DB2}">
-      <thm15:themeFamily xmlns="" xmlns:thm15="http://schemas.microsoft.com/office/thememl/2012/main" name="Office Theme" id="{62F939B6-93AF-4DB8-9C6B-D6C7DFDC589F}" vid="{4A3C46E8-61CC-4603-A589-7422A47A8E4A}"/>
+      <thm15:themeFamily xmlns:thm15="http://schemas.microsoft.com/office/thememl/2012/main" xmlns="" name="Office Theme" id="{62F939B6-93AF-4DB8-9C6B-D6C7DFDC589F}" vid="{4A3C46E8-61CC-4603-A589-7422A47A8E4A}"/>
     </a:ext>
   </a:extLst>
 </a:theme>

--- a/KM/ppt/项目管理_201912.pptx
+++ b/KM/ppt/项目管理_201912.pptx
@@ -206,7 +206,7 @@
             <a:fld id="{5F920F0F-0E56-2B45-B1BF-268524318682}" type="datetimeFigureOut">
               <a:rPr kumimoji="1" lang="zh-CN" altLang="en-US" smtClean="0"/>
               <a:pPr/>
-              <a:t>2019/12/21</a:t>
+              <a:t>2019/12/28</a:t>
             </a:fld>
             <a:endParaRPr kumimoji="1" lang="zh-CN" altLang="en-US"/>
           </a:p>
@@ -282,7 +282,7 @@
     </p:spTree>
     <p:extLst>
       <p:ext uri="{BB962C8B-B14F-4D97-AF65-F5344CB8AC3E}">
-        <p14:creationId xmlns:p14="http://schemas.microsoft.com/office/powerpoint/2010/main" xmlns="" val="3407571201"/>
+        <p14:creationId xmlns:p14="http://schemas.microsoft.com/office/powerpoint/2010/main" val="3407571201"/>
       </p:ext>
     </p:extLst>
   </p:cSld>
@@ -374,7 +374,7 @@
             <a:fld id="{FB86081A-1E41-D34E-AC33-11FD77CCCD8D}" type="datetimeFigureOut">
               <a:rPr kumimoji="1" lang="zh-CN" altLang="en-US" smtClean="0"/>
               <a:pPr/>
-              <a:t>2019/12/21</a:t>
+              <a:t>2019/12/28</a:t>
             </a:fld>
             <a:endParaRPr kumimoji="1" lang="zh-CN" altLang="en-US"/>
           </a:p>
@@ -543,7 +543,7 @@
     </p:spTree>
     <p:extLst>
       <p:ext uri="{BB962C8B-B14F-4D97-AF65-F5344CB8AC3E}">
-        <p14:creationId xmlns:p14="http://schemas.microsoft.com/office/powerpoint/2010/main" xmlns="" val="2106316760"/>
+        <p14:creationId xmlns:p14="http://schemas.microsoft.com/office/powerpoint/2010/main" val="2106316760"/>
       </p:ext>
     </p:extLst>
   </p:cSld>
@@ -1206,6 +1206,301 @@
 </p:notes>
 </file>
 
+<file path=ppt/notesSlides/notesSlide6.xml><?xml version="1.0" encoding="utf-8"?>
+<p:notes xmlns:a="http://schemas.openxmlformats.org/drawingml/2006/main" xmlns:r="http://schemas.openxmlformats.org/officeDocument/2006/relationships" xmlns:p="http://schemas.openxmlformats.org/presentationml/2006/main">
+  <p:cSld>
+    <p:spTree>
+      <p:nvGrpSpPr>
+        <p:cNvPr id="1" name=""/>
+        <p:cNvGrpSpPr/>
+        <p:nvPr/>
+      </p:nvGrpSpPr>
+      <p:grpSpPr>
+        <a:xfrm>
+          <a:off x="0" y="0"/>
+          <a:ext cx="0" cy="0"/>
+          <a:chOff x="0" y="0"/>
+          <a:chExt cx="0" cy="0"/>
+        </a:xfrm>
+      </p:grpSpPr>
+      <p:sp>
+        <p:nvSpPr>
+          <p:cNvPr id="2" name="幻灯片图像占位符 1"/>
+          <p:cNvSpPr>
+            <a:spLocks noGrp="1" noRot="1" noChangeAspect="1"/>
+          </p:cNvSpPr>
+          <p:nvPr>
+            <p:ph type="sldImg"/>
+          </p:nvPr>
+        </p:nvSpPr>
+        <p:spPr/>
+      </p:sp>
+      <p:sp>
+        <p:nvSpPr>
+          <p:cNvPr id="3" name="备注占位符 2"/>
+          <p:cNvSpPr>
+            <a:spLocks noGrp="1"/>
+          </p:cNvSpPr>
+          <p:nvPr>
+            <p:ph type="body" idx="1"/>
+          </p:nvPr>
+        </p:nvSpPr>
+        <p:spPr/>
+        <p:txBody>
+          <a:bodyPr/>
+          <a:lstStyle/>
+          <a:p>
+            <a:pPr marL="0" marR="0" indent="0" algn="l" defTabSz="914400" rtl="0" eaLnBrk="1" fontAlgn="auto" latinLnBrk="0" hangingPunct="1">
+              <a:lnSpc>
+                <a:spcPct val="100000"/>
+              </a:lnSpc>
+              <a:spcBef>
+                <a:spcPts val="0"/>
+              </a:spcBef>
+              <a:spcAft>
+                <a:spcPts val="0"/>
+              </a:spcAft>
+              <a:buClrTx/>
+              <a:buSzTx/>
+              <a:buFontTx/>
+              <a:buNone/>
+              <a:tabLst/>
+              <a:defRPr/>
+            </a:pPr>
+            <a:r>
+              <a:rPr lang="en-US" altLang="zh-CN" dirty="0" smtClean="0">
+                <a:hlinkClick r:id="rId3"/>
+              </a:rPr>
+              <a:t>https://</a:t>
+            </a:r>
+            <a:r>
+              <a:rPr lang="en-US" altLang="zh-CN" dirty="0" err="1" smtClean="0">
+                <a:hlinkClick r:id="rId3"/>
+              </a:rPr>
+              <a:t>wangcy6.github.io</a:t>
+            </a:r>
+            <a:r>
+              <a:rPr lang="en-US" altLang="zh-CN" dirty="0" smtClean="0">
+                <a:hlinkClick r:id="rId3"/>
+              </a:rPr>
+              <a:t>/</a:t>
+            </a:r>
+            <a:r>
+              <a:rPr lang="en-US" altLang="zh-CN" dirty="0" smtClean="0">
+                <a:hlinkClick r:id="rId4"/>
+              </a:rPr>
+              <a:t>/post/</a:t>
+            </a:r>
+            <a:r>
+              <a:rPr lang="en-US" altLang="zh-CN" dirty="0" err="1" smtClean="0">
+                <a:hlinkClick r:id="rId4"/>
+              </a:rPr>
+              <a:t>DataBase</a:t>
+            </a:r>
+            <a:r>
+              <a:rPr lang="en-US" altLang="zh-CN" dirty="0" smtClean="0">
+                <a:hlinkClick r:id="rId4"/>
+              </a:rPr>
+              <a:t>/</a:t>
+            </a:r>
+            <a:r>
+              <a:rPr lang="en-US" altLang="zh-CN" dirty="0" err="1" smtClean="0">
+                <a:hlinkClick r:id="rId4"/>
+              </a:rPr>
+              <a:t>server_redis</a:t>
+            </a:r>
+            <a:r>
+              <a:rPr lang="en-US" altLang="zh-CN" dirty="0" smtClean="0">
+                <a:hlinkClick r:id="rId4"/>
+              </a:rPr>
+              <a:t>/</a:t>
+            </a:r>
+            <a:endParaRPr lang="en-US" altLang="zh-CN" dirty="0" smtClean="0"/>
+          </a:p>
+          <a:p>
+            <a:pPr marL="0" marR="0" indent="0" algn="l" defTabSz="914400" rtl="0" eaLnBrk="1" fontAlgn="auto" latinLnBrk="0" hangingPunct="1">
+              <a:lnSpc>
+                <a:spcPct val="100000"/>
+              </a:lnSpc>
+              <a:spcBef>
+                <a:spcPts val="0"/>
+              </a:spcBef>
+              <a:spcAft>
+                <a:spcPts val="0"/>
+              </a:spcAft>
+              <a:buClrTx/>
+              <a:buSzTx/>
+              <a:buFontTx/>
+              <a:buNone/>
+              <a:tabLst/>
+              <a:defRPr/>
+            </a:pPr>
+            <a:r>
+              <a:rPr lang="en-US" altLang="zh-CN" dirty="0" smtClean="0">
+                <a:hlinkClick r:id="rId5"/>
+              </a:rPr>
+              <a:t>https://</a:t>
+            </a:r>
+            <a:r>
+              <a:rPr lang="en-US" altLang="zh-CN" dirty="0" err="1" smtClean="0">
+                <a:hlinkClick r:id="rId5"/>
+              </a:rPr>
+              <a:t>redis.io</a:t>
+            </a:r>
+            <a:r>
+              <a:rPr lang="en-US" altLang="zh-CN" dirty="0" smtClean="0">
+                <a:hlinkClick r:id="rId5"/>
+              </a:rPr>
+              <a:t>/topics/</a:t>
+            </a:r>
+            <a:r>
+              <a:rPr lang="en-US" altLang="zh-CN" dirty="0" err="1" smtClean="0">
+                <a:hlinkClick r:id="rId5"/>
+              </a:rPr>
+              <a:t>faq#redis-is-single-threaded-how-can-i-exploit-multiple-cpu</a:t>
+            </a:r>
+            <a:r>
+              <a:rPr lang="en-US" altLang="zh-CN" dirty="0" smtClean="0">
+                <a:hlinkClick r:id="rId5"/>
+              </a:rPr>
+              <a:t>--cores</a:t>
+            </a:r>
+            <a:endParaRPr lang="en-US" altLang="zh-CN" dirty="0" smtClean="0"/>
+          </a:p>
+          <a:p>
+            <a:pPr marL="0" marR="0" indent="0" algn="l" defTabSz="914400" rtl="0" eaLnBrk="1" fontAlgn="auto" latinLnBrk="0" hangingPunct="1">
+              <a:lnSpc>
+                <a:spcPct val="100000"/>
+              </a:lnSpc>
+              <a:spcBef>
+                <a:spcPts val="0"/>
+              </a:spcBef>
+              <a:spcAft>
+                <a:spcPts val="0"/>
+              </a:spcAft>
+              <a:buClrTx/>
+              <a:buSzTx/>
+              <a:buFontTx/>
+              <a:buNone/>
+              <a:tabLst/>
+              <a:defRPr/>
+            </a:pPr>
+            <a:r>
+              <a:rPr lang="en-US" altLang="zh-CN" dirty="0" smtClean="0">
+                <a:hlinkClick r:id="rId6"/>
+              </a:rPr>
+              <a:t>https://</a:t>
+            </a:r>
+            <a:r>
+              <a:rPr lang="en-US" altLang="zh-CN" dirty="0" err="1" smtClean="0">
+                <a:hlinkClick r:id="rId6"/>
+              </a:rPr>
+              <a:t>qiankunli.github.io</a:t>
+            </a:r>
+            <a:r>
+              <a:rPr lang="en-US" altLang="zh-CN" dirty="0" smtClean="0">
+                <a:hlinkClick r:id="rId6"/>
+              </a:rPr>
+              <a:t>/2019/04/20/</a:t>
+            </a:r>
+            <a:r>
+              <a:rPr lang="en-US" altLang="zh-CN" dirty="0" err="1" smtClean="0">
+                <a:hlinkClick r:id="rId6"/>
+              </a:rPr>
+              <a:t>redis_source.html</a:t>
+            </a:r>
+            <a:r>
+              <a:rPr lang="zh-CN" altLang="en-US" sz="1200" b="0" i="0" kern="1200" dirty="0" smtClean="0">
+                <a:solidFill>
+                  <a:schemeClr val="tx1"/>
+                </a:solidFill>
+                <a:effectLst/>
+                <a:latin typeface="+mn-lt"/>
+                <a:ea typeface="+mn-ea"/>
+                <a:cs typeface="+mn-cs"/>
+              </a:rPr>
+              <a:t>我们以读事件为例，但发现数据可读时，执行了那么</a:t>
+            </a:r>
+            <a:r>
+              <a:rPr lang="en-US" altLang="zh-CN" sz="1200" b="0" i="0" kern="1200" dirty="0" err="1" smtClean="0">
+                <a:solidFill>
+                  <a:schemeClr val="tx1"/>
+                </a:solidFill>
+                <a:effectLst/>
+                <a:latin typeface="+mn-lt"/>
+                <a:ea typeface="+mn-ea"/>
+                <a:cs typeface="+mn-cs"/>
+              </a:rPr>
+              <a:t>rfileProc</a:t>
+            </a:r>
+            <a:r>
+              <a:rPr lang="en-US" altLang="zh-CN" sz="1200" b="0" i="0" kern="1200" dirty="0" smtClean="0">
+                <a:solidFill>
+                  <a:schemeClr val="tx1"/>
+                </a:solidFill>
+                <a:effectLst/>
+                <a:latin typeface="+mn-lt"/>
+                <a:ea typeface="+mn-ea"/>
+                <a:cs typeface="+mn-cs"/>
+              </a:rPr>
+              <a:t> </a:t>
+            </a:r>
+            <a:r>
+              <a:rPr lang="zh-CN" altLang="en-US" sz="1200" b="0" i="0" kern="1200" smtClean="0">
+                <a:solidFill>
+                  <a:schemeClr val="tx1"/>
+                </a:solidFill>
+                <a:effectLst/>
+                <a:latin typeface="+mn-lt"/>
+                <a:ea typeface="+mn-ea"/>
+                <a:cs typeface="+mn-cs"/>
+              </a:rPr>
+              <a:t>的执行逻辑是啥呢</a:t>
+            </a:r>
+            <a:endParaRPr lang="en-US" altLang="zh-CN" dirty="0" smtClean="0"/>
+          </a:p>
+          <a:p>
+            <a:endParaRPr lang="zh-CN" altLang="en-US" dirty="0"/>
+          </a:p>
+        </p:txBody>
+      </p:sp>
+      <p:sp>
+        <p:nvSpPr>
+          <p:cNvPr id="4" name="灯片编号占位符 3"/>
+          <p:cNvSpPr>
+            <a:spLocks noGrp="1"/>
+          </p:cNvSpPr>
+          <p:nvPr>
+            <p:ph type="sldNum" sz="quarter" idx="10"/>
+          </p:nvPr>
+        </p:nvSpPr>
+        <p:spPr/>
+        <p:txBody>
+          <a:bodyPr/>
+          <a:lstStyle/>
+          <a:p>
+            <a:fld id="{8AF453D5-9B32-8F40-BF12-CF5772967439}" type="slidenum">
+              <a:rPr kumimoji="1" lang="zh-CN" altLang="en-US" smtClean="0"/>
+              <a:pPr/>
+              <a:t>9</a:t>
+            </a:fld>
+            <a:endParaRPr kumimoji="1" lang="zh-CN" altLang="en-US"/>
+          </a:p>
+        </p:txBody>
+      </p:sp>
+    </p:spTree>
+    <p:extLst>
+      <p:ext uri="{BB962C8B-B14F-4D97-AF65-F5344CB8AC3E}">
+        <p14:creationId xmlns:p14="http://schemas.microsoft.com/office/powerpoint/2010/main" val="63124258"/>
+      </p:ext>
+    </p:extLst>
+  </p:cSld>
+  <p:clrMapOvr>
+    <a:masterClrMapping/>
+  </p:clrMapOvr>
+</p:notes>
+</file>
+
 <file path=ppt/slideLayouts/slideLayout1.xml><?xml version="1.0" encoding="utf-8"?>
 <p:sldLayout xmlns:a="http://schemas.openxmlformats.org/drawingml/2006/main" xmlns:r="http://schemas.openxmlformats.org/officeDocument/2006/relationships" xmlns:p="http://schemas.openxmlformats.org/presentationml/2006/main" preserve="1" userDrawn="1">
   <p:cSld name="标题幻灯片">
@@ -1235,7 +1530,7 @@
           <a:blip r:embed="rId2">
             <a:extLst>
               <a:ext uri="{28A0092B-C50C-407E-A947-70E740481C1C}">
-                <a14:useLocalDpi xmlns:a14="http://schemas.microsoft.com/office/drawing/2010/main" xmlns="" val="0"/>
+                <a14:useLocalDpi xmlns:a14="http://schemas.microsoft.com/office/drawing/2010/main" val="0"/>
               </a:ext>
             </a:extLst>
           </a:blip>
@@ -1524,7 +1819,7 @@
           <a:blip r:embed="rId3">
             <a:extLst>
               <a:ext uri="{28A0092B-C50C-407E-A947-70E740481C1C}">
-                <a14:useLocalDpi xmlns:a14="http://schemas.microsoft.com/office/drawing/2010/main" xmlns="" val="0"/>
+                <a14:useLocalDpi xmlns:a14="http://schemas.microsoft.com/office/drawing/2010/main" val="0"/>
               </a:ext>
             </a:extLst>
           </a:blip>
@@ -1820,7 +2115,7 @@
           <a:blip r:embed="rId2">
             <a:extLst>
               <a:ext uri="{28A0092B-C50C-407E-A947-70E740481C1C}">
-                <a14:useLocalDpi xmlns:a14="http://schemas.microsoft.com/office/drawing/2010/main" xmlns="" val="0"/>
+                <a14:useLocalDpi xmlns:a14="http://schemas.microsoft.com/office/drawing/2010/main" val="0"/>
               </a:ext>
             </a:extLst>
           </a:blip>
@@ -1850,7 +2145,7 @@
           <a:blip r:embed="rId3">
             <a:extLst>
               <a:ext uri="{28A0092B-C50C-407E-A947-70E740481C1C}">
-                <a14:useLocalDpi xmlns:a14="http://schemas.microsoft.com/office/drawing/2010/main" xmlns="" val="0"/>
+                <a14:useLocalDpi xmlns:a14="http://schemas.microsoft.com/office/drawing/2010/main" val="0"/>
               </a:ext>
             </a:extLst>
           </a:blip>
@@ -2122,7 +2417,7 @@
           <a:blip r:embed="rId2">
             <a:extLst>
               <a:ext uri="{28A0092B-C50C-407E-A947-70E740481C1C}">
-                <a14:useLocalDpi xmlns:a14="http://schemas.microsoft.com/office/drawing/2010/main" xmlns="" val="0"/>
+                <a14:useLocalDpi xmlns:a14="http://schemas.microsoft.com/office/drawing/2010/main" val="0"/>
               </a:ext>
             </a:extLst>
           </a:blip>
@@ -2152,7 +2447,7 @@
           <a:blip r:embed="rId3">
             <a:extLst>
               <a:ext uri="{28A0092B-C50C-407E-A947-70E740481C1C}">
-                <a14:useLocalDpi xmlns:a14="http://schemas.microsoft.com/office/drawing/2010/main" xmlns="" val="0"/>
+                <a14:useLocalDpi xmlns:a14="http://schemas.microsoft.com/office/drawing/2010/main" val="0"/>
               </a:ext>
             </a:extLst>
           </a:blip>
@@ -2488,7 +2783,7 @@
           <a:blip r:embed="rId2">
             <a:extLst>
               <a:ext uri="{28A0092B-C50C-407E-A947-70E740481C1C}">
-                <a14:useLocalDpi xmlns:a14="http://schemas.microsoft.com/office/drawing/2010/main" xmlns="" val="0"/>
+                <a14:useLocalDpi xmlns:a14="http://schemas.microsoft.com/office/drawing/2010/main" val="0"/>
               </a:ext>
             </a:extLst>
           </a:blip>
@@ -2518,7 +2813,7 @@
           <a:blip r:embed="rId3">
             <a:extLst>
               <a:ext uri="{28A0092B-C50C-407E-A947-70E740481C1C}">
-                <a14:useLocalDpi xmlns:a14="http://schemas.microsoft.com/office/drawing/2010/main" xmlns="" val="0"/>
+                <a14:useLocalDpi xmlns:a14="http://schemas.microsoft.com/office/drawing/2010/main" val="0"/>
               </a:ext>
             </a:extLst>
           </a:blip>
@@ -2833,7 +3128,7 @@
           <a:blip r:embed="rId2">
             <a:extLst>
               <a:ext uri="{28A0092B-C50C-407E-A947-70E740481C1C}">
-                <a14:useLocalDpi xmlns:a14="http://schemas.microsoft.com/office/drawing/2010/main" xmlns="" val="0"/>
+                <a14:useLocalDpi xmlns:a14="http://schemas.microsoft.com/office/drawing/2010/main" val="0"/>
               </a:ext>
             </a:extLst>
           </a:blip>
@@ -2863,7 +3158,7 @@
           <a:blip r:embed="rId3">
             <a:extLst>
               <a:ext uri="{28A0092B-C50C-407E-A947-70E740481C1C}">
-                <a14:useLocalDpi xmlns:a14="http://schemas.microsoft.com/office/drawing/2010/main" xmlns="" val="0"/>
+                <a14:useLocalDpi xmlns:a14="http://schemas.microsoft.com/office/drawing/2010/main" val="0"/>
               </a:ext>
             </a:extLst>
           </a:blip>
@@ -3055,7 +3350,7 @@
             <a:fld id="{7BC3C6E0-25AE-8A44-A617-CADD813DE539}" type="datetime1">
               <a:rPr lang="zh-CN" altLang="en-US" smtClean="0"/>
               <a:pPr/>
-              <a:t>2019/12/21</a:t>
+              <a:t>2019/12/28</a:t>
             </a:fld>
             <a:endParaRPr lang="zh-CN" altLang="en-US" dirty="0"/>
           </a:p>
@@ -3279,7 +3574,7 @@
           <a:blip r:embed="rId2">
             <a:extLst>
               <a:ext uri="{28A0092B-C50C-407E-A947-70E740481C1C}">
-                <a14:useLocalDpi xmlns:a14="http://schemas.microsoft.com/office/drawing/2010/main" xmlns="" val="0"/>
+                <a14:useLocalDpi xmlns:a14="http://schemas.microsoft.com/office/drawing/2010/main" val="0"/>
               </a:ext>
             </a:extLst>
           </a:blip>
@@ -3465,7 +3760,7 @@
             <a:fld id="{B8DE94C4-0AC0-E74D-83DE-D1778C094258}" type="datetime1">
               <a:rPr lang="zh-CN" altLang="en-US" smtClean="0"/>
               <a:pPr/>
-              <a:t>2019/12/21</a:t>
+              <a:t>2019/12/28</a:t>
             </a:fld>
             <a:endParaRPr lang="zh-CN" altLang="en-US" dirty="0"/>
           </a:p>
@@ -3985,21 +4280,96 @@
           <a:bodyPr/>
           <a:lstStyle/>
           <a:p>
+            <a:r>
+              <a:rPr lang="en-US" altLang="zh-CN" dirty="0">
+                <a:hlinkClick r:id="rId3"/>
+              </a:rPr>
+              <a:t>https://</a:t>
+            </a:r>
+            <a:r>
+              <a:rPr lang="en-US" altLang="zh-CN" dirty="0" err="1">
+                <a:hlinkClick r:id="rId3"/>
+              </a:rPr>
+              <a:t>wangcy6.github.io</a:t>
+            </a:r>
+            <a:r>
+              <a:rPr lang="en-US" altLang="zh-CN" dirty="0">
+                <a:hlinkClick r:id="rId3"/>
+              </a:rPr>
+              <a:t>/</a:t>
+            </a:r>
+            <a:r>
+              <a:rPr lang="en-US" altLang="zh-CN" dirty="0">
+                <a:hlinkClick r:id="rId4"/>
+              </a:rPr>
+              <a:t>/post/</a:t>
+            </a:r>
+            <a:r>
+              <a:rPr lang="en-US" altLang="zh-CN" dirty="0" err="1">
+                <a:hlinkClick r:id="rId4"/>
+              </a:rPr>
+              <a:t>DataBase</a:t>
+            </a:r>
+            <a:r>
+              <a:rPr lang="en-US" altLang="zh-CN" dirty="0">
+                <a:hlinkClick r:id="rId4"/>
+              </a:rPr>
+              <a:t>/</a:t>
+            </a:r>
+            <a:r>
+              <a:rPr lang="en-US" altLang="zh-CN" dirty="0" err="1">
+                <a:hlinkClick r:id="rId4"/>
+              </a:rPr>
+              <a:t>server_redis</a:t>
+            </a:r>
+            <a:r>
+              <a:rPr lang="en-US" altLang="zh-CN" dirty="0" smtClean="0">
+                <a:hlinkClick r:id="rId4"/>
+              </a:rPr>
+              <a:t>/</a:t>
+            </a:r>
             <a:endParaRPr b="1" dirty="0"/>
           </a:p>
           <a:p>
             <a:r>
-              <a:rPr lang="en-US" smtClean="0">
-                <a:hlinkClick r:id="rId2"/>
-              </a:rPr>
-              <a:t>http</a:t>
-            </a:r>
-            <a:r>
-              <a:rPr lang="en-US" dirty="0">
-                <a:hlinkClick r:id="rId2"/>
-              </a:rPr>
-              <a:t>://localhost:1313/post/DataBase/server_redis/</a:t>
-            </a:r>
+              <a:rPr lang="zh-CN" altLang="en-US" dirty="0" smtClean="0"/>
+              <a:t>释</a:t>
+            </a:r>
+            <a:r>
+              <a:rPr lang="en-US" altLang="zh-CN" dirty="0" err="1"/>
+              <a:t>Redis</a:t>
+            </a:r>
+            <a:r>
+              <a:rPr lang="zh-CN" altLang="en-US" dirty="0"/>
+              <a:t>是单线程的，为什么能这么高</a:t>
+            </a:r>
+            <a:r>
+              <a:rPr lang="zh-CN" altLang="en-US" dirty="0" smtClean="0"/>
+              <a:t>效！</a:t>
+            </a:r>
+            <a:endParaRPr lang="en-US" altLang="zh-CN" dirty="0" smtClean="0"/>
+          </a:p>
+          <a:p>
+            <a:r>
+              <a:rPr lang="en-US" altLang="zh-CN" dirty="0" smtClean="0"/>
+              <a:t>whys-the-design-</a:t>
+            </a:r>
+            <a:r>
+              <a:rPr lang="en-US" altLang="zh-CN" dirty="0" err="1" smtClean="0"/>
+              <a:t>redis</a:t>
+            </a:r>
+            <a:r>
+              <a:rPr lang="en-US" altLang="zh-CN" dirty="0" smtClean="0"/>
+              <a:t>-single-thread</a:t>
+            </a:r>
+          </a:p>
+          <a:p>
+            <a:pPr marL="0" indent="0">
+              <a:buNone/>
+            </a:pPr>
+            <a:endParaRPr lang="en-US" altLang="zh-CN" dirty="0" smtClean="0"/>
+          </a:p>
+          <a:p>
             <a:endParaRPr lang="zh-CN" altLang="en-US" dirty="0"/>
           </a:p>
         </p:txBody>
@@ -4026,6 +4396,10 @@
             <a:r>
               <a:rPr lang="en-US" altLang="zh-CN" dirty="0" err="1" smtClean="0"/>
               <a:t>redis</a:t>
+            </a:r>
+            <a:r>
+              <a:rPr lang="en-US" altLang="zh-CN" dirty="0" smtClean="0"/>
+              <a:t>-</a:t>
             </a:r>
             <a:endParaRPr lang="zh-CN" altLang="en-US" dirty="0"/>
           </a:p>
@@ -5506,7 +5880,7 @@
         <a:sysClr val="windowText" lastClr="000000"/>
       </a:dk1>
       <a:lt1>
-        <a:sysClr val="window" lastClr="FFFFFF"/>
+        <a:sysClr val="window" lastClr="CCE8CF"/>
       </a:lt1>
       <a:dk2>
         <a:srgbClr val="1F497D"/>
@@ -5830,7 +6204,7 @@
   <a:extraClrSchemeLst/>
   <a:extLst>
     <a:ext uri="{05A4C25C-085E-4340-85A3-A5531E510DB2}">
-      <thm15:themeFamily xmlns="" xmlns:thm15="http://schemas.microsoft.com/office/thememl/2012/main" name="Office Theme" id="{62F939B6-93AF-4DB8-9C6B-D6C7DFDC589F}" vid="{4A3C46E8-61CC-4603-A589-7422A47A8E4A}"/>
+      <thm15:themeFamily xmlns:thm15="http://schemas.microsoft.com/office/thememl/2012/main" xmlns="" name="Office Theme" id="{62F939B6-93AF-4DB8-9C6B-D6C7DFDC589F}" vid="{4A3C46E8-61CC-4603-A589-7422A47A8E4A}"/>
     </a:ext>
   </a:extLst>
 </a:theme>
@@ -5844,7 +6218,7 @@
         <a:sysClr val="windowText" lastClr="000000"/>
       </a:dk1>
       <a:lt1>
-        <a:sysClr val="window" lastClr="FFFFFF"/>
+        <a:sysClr val="window" lastClr="CCE8CF"/>
       </a:lt1>
       <a:dk2>
         <a:srgbClr val="44546A"/>
@@ -6091,7 +6465,7 @@
   <a:extraClrSchemeLst/>
   <a:extLst>
     <a:ext uri="{05A4C25C-085E-4340-85A3-A5531E510DB2}">
-      <thm15:themeFamily xmlns="" xmlns:thm15="http://schemas.microsoft.com/office/thememl/2012/main" name="Office Theme" id="{62F939B6-93AF-4DB8-9C6B-D6C7DFDC589F}" vid="{4A3C46E8-61CC-4603-A589-7422A47A8E4A}"/>
+      <thm15:themeFamily xmlns:thm15="http://schemas.microsoft.com/office/thememl/2012/main" xmlns="" name="Office Theme" id="{62F939B6-93AF-4DB8-9C6B-D6C7DFDC589F}" vid="{4A3C46E8-61CC-4603-A589-7422A47A8E4A}"/>
     </a:ext>
   </a:extLst>
 </a:theme>
@@ -6105,7 +6479,7 @@
         <a:sysClr val="windowText" lastClr="000000"/>
       </a:dk1>
       <a:lt1>
-        <a:sysClr val="window" lastClr="FFFFFF"/>
+        <a:sysClr val="window" lastClr="CCE8CF"/>
       </a:lt1>
       <a:dk2>
         <a:srgbClr val="1F497D"/>

--- a/KM/ppt/项目管理_201912.pptx
+++ b/KM/ppt/项目管理_201912.pptx
@@ -5,10 +5,10 @@
     <p:sldMasterId id="2147483648" r:id="rId1"/>
   </p:sldMasterIdLst>
   <p:notesMasterIdLst>
-    <p:notesMasterId r:id="rId13"/>
+    <p:notesMasterId r:id="rId14"/>
   </p:notesMasterIdLst>
   <p:handoutMasterIdLst>
-    <p:handoutMasterId r:id="rId14"/>
+    <p:handoutMasterId r:id="rId15"/>
   </p:handoutMasterIdLst>
   <p:sldIdLst>
     <p:sldId id="273" r:id="rId2"/>
@@ -21,7 +21,8 @@
     <p:sldId id="284" r:id="rId9"/>
     <p:sldId id="285" r:id="rId10"/>
     <p:sldId id="286" r:id="rId11"/>
-    <p:sldId id="281" r:id="rId12"/>
+    <p:sldId id="287" r:id="rId12"/>
+    <p:sldId id="281" r:id="rId13"/>
   </p:sldIdLst>
   <p:sldSz cx="9144000" cy="5143500" type="screen16x9"/>
   <p:notesSz cx="6858000" cy="9144000"/>
@@ -206,7 +207,7 @@
             <a:fld id="{5F920F0F-0E56-2B45-B1BF-268524318682}" type="datetimeFigureOut">
               <a:rPr kumimoji="1" lang="zh-CN" altLang="en-US" smtClean="0"/>
               <a:pPr/>
-              <a:t>2019/12/28</a:t>
+              <a:t>2020/2/11</a:t>
             </a:fld>
             <a:endParaRPr kumimoji="1" lang="zh-CN" altLang="en-US"/>
           </a:p>
@@ -374,7 +375,7 @@
             <a:fld id="{FB86081A-1E41-D34E-AC33-11FD77CCCD8D}" type="datetimeFigureOut">
               <a:rPr kumimoji="1" lang="zh-CN" altLang="en-US" smtClean="0"/>
               <a:pPr/>
-              <a:t>2019/12/28</a:t>
+              <a:t>2020/2/11</a:t>
             </a:fld>
             <a:endParaRPr kumimoji="1" lang="zh-CN" altLang="en-US"/>
           </a:p>
@@ -1492,6 +1493,155 @@
     <p:extLst>
       <p:ext uri="{BB962C8B-B14F-4D97-AF65-F5344CB8AC3E}">
         <p14:creationId xmlns:p14="http://schemas.microsoft.com/office/powerpoint/2010/main" val="63124258"/>
+      </p:ext>
+    </p:extLst>
+  </p:cSld>
+  <p:clrMapOvr>
+    <a:masterClrMapping/>
+  </p:clrMapOvr>
+</p:notes>
+</file>
+
+<file path=ppt/notesSlides/notesSlide7.xml><?xml version="1.0" encoding="utf-8"?>
+<p:notes xmlns:a="http://schemas.openxmlformats.org/drawingml/2006/main" xmlns:r="http://schemas.openxmlformats.org/officeDocument/2006/relationships" xmlns:p="http://schemas.openxmlformats.org/presentationml/2006/main">
+  <p:cSld>
+    <p:spTree>
+      <p:nvGrpSpPr>
+        <p:cNvPr id="1" name=""/>
+        <p:cNvGrpSpPr/>
+        <p:nvPr/>
+      </p:nvGrpSpPr>
+      <p:grpSpPr>
+        <a:xfrm>
+          <a:off x="0" y="0"/>
+          <a:ext cx="0" cy="0"/>
+          <a:chOff x="0" y="0"/>
+          <a:chExt cx="0" cy="0"/>
+        </a:xfrm>
+      </p:grpSpPr>
+      <p:sp>
+        <p:nvSpPr>
+          <p:cNvPr id="2" name="幻灯片图像占位符 1"/>
+          <p:cNvSpPr>
+            <a:spLocks noGrp="1" noRot="1" noChangeAspect="1"/>
+          </p:cNvSpPr>
+          <p:nvPr>
+            <p:ph type="sldImg"/>
+          </p:nvPr>
+        </p:nvSpPr>
+        <p:spPr/>
+      </p:sp>
+      <p:sp>
+        <p:nvSpPr>
+          <p:cNvPr id="3" name="备注占位符 2"/>
+          <p:cNvSpPr>
+            <a:spLocks noGrp="1"/>
+          </p:cNvSpPr>
+          <p:nvPr>
+            <p:ph type="body" idx="1"/>
+          </p:nvPr>
+        </p:nvSpPr>
+        <p:spPr/>
+        <p:txBody>
+          <a:bodyPr/>
+          <a:lstStyle/>
+          <a:p>
+            <a:r>
+              <a:rPr lang="en-US" altLang="zh-CN" dirty="0" smtClean="0">
+                <a:hlinkClick r:id="rId3"/>
+              </a:rPr>
+              <a:t>https://</a:t>
+            </a:r>
+            <a:r>
+              <a:rPr lang="en-US" altLang="zh-CN" dirty="0" err="1" smtClean="0">
+                <a:hlinkClick r:id="rId3"/>
+              </a:rPr>
+              <a:t>chihiro.org.cn</a:t>
+            </a:r>
+            <a:r>
+              <a:rPr lang="en-US" altLang="zh-CN" dirty="0" smtClean="0">
+                <a:hlinkClick r:id="rId3"/>
+              </a:rPr>
+              <a:t>/blogs/</a:t>
+            </a:r>
+            <a:r>
+              <a:rPr lang="en-US" altLang="zh-CN" dirty="0" err="1" smtClean="0">
+                <a:hlinkClick r:id="rId3"/>
+              </a:rPr>
+              <a:t>1651636328.html</a:t>
+            </a:r>
+            <a:r>
+              <a:rPr lang="en-US" altLang="zh-CN" dirty="0" smtClean="0"/>
+              <a:t> </a:t>
+            </a:r>
+            <a:r>
+              <a:rPr lang="en-US" altLang="zh-CN" sz="1200" b="0" i="0" kern="1200" dirty="0" smtClean="0">
+                <a:solidFill>
+                  <a:schemeClr val="tx1"/>
+                </a:solidFill>
+                <a:effectLst/>
+                <a:latin typeface="+mn-lt"/>
+                <a:ea typeface="+mn-ea"/>
+                <a:cs typeface="+mn-cs"/>
+              </a:rPr>
+              <a:t>  Simple </a:t>
+            </a:r>
+            <a:r>
+              <a:rPr lang="en-US" altLang="zh-CN" sz="1200" b="0" i="0" kern="1200" dirty="0" err="1" smtClean="0">
+                <a:solidFill>
+                  <a:schemeClr val="tx1"/>
+                </a:solidFill>
+                <a:effectLst/>
+                <a:latin typeface="+mn-lt"/>
+                <a:ea typeface="+mn-ea"/>
+                <a:cs typeface="+mn-cs"/>
+              </a:rPr>
+              <a:t>rtmp</a:t>
+            </a:r>
+            <a:r>
+              <a:rPr lang="en-US" altLang="zh-CN" sz="1200" b="0" i="0" kern="1200" smtClean="0">
+                <a:solidFill>
+                  <a:schemeClr val="tx1"/>
+                </a:solidFill>
+                <a:effectLst/>
+                <a:latin typeface="+mn-lt"/>
+                <a:ea typeface="+mn-ea"/>
+                <a:cs typeface="+mn-cs"/>
+              </a:rPr>
+              <a:t> serve</a:t>
+            </a:r>
+            <a:endParaRPr lang="zh-CN" altLang="en-US"/>
+          </a:p>
+        </p:txBody>
+      </p:sp>
+      <p:sp>
+        <p:nvSpPr>
+          <p:cNvPr id="4" name="灯片编号占位符 3"/>
+          <p:cNvSpPr>
+            <a:spLocks noGrp="1"/>
+          </p:cNvSpPr>
+          <p:nvPr>
+            <p:ph type="sldNum" sz="quarter" idx="10"/>
+          </p:nvPr>
+        </p:nvSpPr>
+        <p:spPr/>
+        <p:txBody>
+          <a:bodyPr/>
+          <a:lstStyle/>
+          <a:p>
+            <a:fld id="{8AF453D5-9B32-8F40-BF12-CF5772967439}" type="slidenum">
+              <a:rPr kumimoji="1" lang="zh-CN" altLang="en-US" smtClean="0"/>
+              <a:pPr/>
+              <a:t>10</a:t>
+            </a:fld>
+            <a:endParaRPr kumimoji="1" lang="zh-CN" altLang="en-US"/>
+          </a:p>
+        </p:txBody>
+      </p:sp>
+    </p:spTree>
+    <p:extLst>
+      <p:ext uri="{BB962C8B-B14F-4D97-AF65-F5344CB8AC3E}">
+        <p14:creationId xmlns:p14="http://schemas.microsoft.com/office/powerpoint/2010/main" val="2553119278"/>
       </p:ext>
     </p:extLst>
   </p:cSld>
@@ -3350,7 +3500,7 @@
             <a:fld id="{7BC3C6E0-25AE-8A44-A617-CADD813DE539}" type="datetime1">
               <a:rPr lang="zh-CN" altLang="en-US" smtClean="0"/>
               <a:pPr/>
-              <a:t>2019/12/28</a:t>
+              <a:t>2020/2/11</a:t>
             </a:fld>
             <a:endParaRPr lang="zh-CN" altLang="en-US" dirty="0"/>
           </a:p>
@@ -3760,7 +3910,7 @@
             <a:fld id="{B8DE94C4-0AC0-E74D-83DE-D1778C094258}" type="datetime1">
               <a:rPr lang="zh-CN" altLang="en-US" smtClean="0"/>
               <a:pPr/>
-              <a:t>2019/12/28</a:t>
+              <a:t>2020/2/11</a:t>
             </a:fld>
             <a:endParaRPr lang="zh-CN" altLang="en-US" dirty="0"/>
           </a:p>
@@ -4410,6 +4560,13 @@
   <p:clrMapOvr>
     <a:masterClrMapping/>
   </p:clrMapOvr>
+  <p:timing>
+    <p:tnLst>
+      <p:par>
+        <p:cTn id="1" dur="indefinite" restart="never" nodeType="tmRoot"/>
+      </p:par>
+    </p:tnLst>
+  </p:timing>
 </p:sld>
 </file>
 
@@ -4432,6 +4589,139 @@
       </p:grpSpPr>
       <p:sp>
         <p:nvSpPr>
+          <p:cNvPr id="3" name="标题 2"/>
+          <p:cNvSpPr>
+            <a:spLocks noGrp="1"/>
+          </p:cNvSpPr>
+          <p:nvPr>
+            <p:ph type="title"/>
+          </p:nvPr>
+        </p:nvSpPr>
+        <p:spPr>
+          <a:xfrm>
+            <a:off x="251520" y="123478"/>
+            <a:ext cx="8229600" cy="857250"/>
+          </a:xfrm>
+        </p:spPr>
+        <p:txBody>
+          <a:bodyPr/>
+          <a:lstStyle/>
+          <a:p>
+            <a:r>
+              <a:rPr lang="zh-CN" altLang="en-US" dirty="0"/>
+              <a:t>流媒体服务</a:t>
+            </a:r>
+            <a:r>
+              <a:rPr lang="zh-CN" altLang="en-US" dirty="0" smtClean="0"/>
+              <a:t>器集群方案</a:t>
+            </a:r>
+            <a:r>
+              <a:rPr lang="en-US" altLang="zh-CN" dirty="0" smtClean="0"/>
+              <a:t>:</a:t>
+            </a:r>
+            <a:r>
+              <a:rPr lang="zh-CN" altLang="en-US" dirty="0" smtClean="0"/>
+              <a:t>避免单点</a:t>
+            </a:r>
+            <a:endParaRPr lang="zh-CN" altLang="en-US" dirty="0"/>
+          </a:p>
+        </p:txBody>
+      </p:sp>
+      <p:pic>
+        <p:nvPicPr>
+          <p:cNvPr id="1026" name="Picture 2"/>
+          <p:cNvPicPr>
+            <a:picLocks noGrp="1" noChangeAspect="1" noChangeArrowheads="1"/>
+          </p:cNvPicPr>
+          <p:nvPr>
+            <p:ph idx="1"/>
+          </p:nvPr>
+        </p:nvPicPr>
+        <p:blipFill>
+          <a:blip r:embed="rId3">
+            <a:extLst>
+              <a:ext uri="{28A0092B-C50C-407E-A947-70E740481C1C}">
+                <a14:useLocalDpi xmlns:a14="http://schemas.microsoft.com/office/drawing/2010/main" val="0"/>
+              </a:ext>
+            </a:extLst>
+          </a:blip>
+          <a:srcRect/>
+          <a:stretch>
+            <a:fillRect/>
+          </a:stretch>
+        </p:blipFill>
+        <p:spPr bwMode="auto">
+          <a:xfrm>
+            <a:off x="683568" y="1131590"/>
+            <a:ext cx="7076683" cy="3311525"/>
+          </a:xfrm>
+          <a:prstGeom prst="rect">
+            <a:avLst/>
+          </a:prstGeom>
+          <a:noFill/>
+          <a:ln>
+            <a:noFill/>
+          </a:ln>
+          <a:extLst>
+            <a:ext uri="{909E8E84-426E-40DD-AFC4-6F175D3DCCD1}">
+              <a14:hiddenFill xmlns:a14="http://schemas.microsoft.com/office/drawing/2010/main">
+                <a:solidFill>
+                  <a:schemeClr val="accent1"/>
+                </a:solidFill>
+              </a14:hiddenFill>
+            </a:ext>
+            <a:ext uri="{91240B29-F687-4F45-9708-019B960494DF}">
+              <a14:hiddenLine xmlns:a14="http://schemas.microsoft.com/office/drawing/2010/main" w="9525">
+                <a:solidFill>
+                  <a:schemeClr val="tx1"/>
+                </a:solidFill>
+                <a:miter lim="800000"/>
+                <a:headEnd/>
+                <a:tailEnd/>
+              </a14:hiddenLine>
+            </a:ext>
+          </a:extLst>
+        </p:spPr>
+      </p:pic>
+    </p:spTree>
+    <p:extLst>
+      <p:ext uri="{BB962C8B-B14F-4D97-AF65-F5344CB8AC3E}">
+        <p14:creationId xmlns:p14="http://schemas.microsoft.com/office/powerpoint/2010/main" val="1592764530"/>
+      </p:ext>
+    </p:extLst>
+  </p:cSld>
+  <p:clrMapOvr>
+    <a:masterClrMapping/>
+  </p:clrMapOvr>
+  <p:timing>
+    <p:tnLst>
+      <p:par>
+        <p:cTn id="1" dur="indefinite" restart="never" nodeType="tmRoot"/>
+      </p:par>
+    </p:tnLst>
+  </p:timing>
+</p:sld>
+</file>
+
+<file path=ppt/slides/slide12.xml><?xml version="1.0" encoding="utf-8"?>
+<p:sld xmlns:a="http://schemas.openxmlformats.org/drawingml/2006/main" xmlns:r="http://schemas.openxmlformats.org/officeDocument/2006/relationships" xmlns:p="http://schemas.openxmlformats.org/presentationml/2006/main">
+  <p:cSld>
+    <p:spTree>
+      <p:nvGrpSpPr>
+        <p:cNvPr id="1" name=""/>
+        <p:cNvGrpSpPr/>
+        <p:nvPr/>
+      </p:nvGrpSpPr>
+      <p:grpSpPr>
+        <a:xfrm>
+          <a:off x="0" y="0"/>
+          <a:ext cx="0" cy="0"/>
+          <a:chOff x="0" y="0"/>
+          <a:chExt cx="0" cy="0"/>
+        </a:xfrm>
+      </p:grpSpPr>
+      <p:sp>
+        <p:nvSpPr>
           <p:cNvPr id="2" name="文本占位符 1"/>
           <p:cNvSpPr>
             <a:spLocks noGrp="1"/>
@@ -4454,6 +4744,13 @@
   <p:clrMapOvr>
     <a:masterClrMapping/>
   </p:clrMapOvr>
+  <p:timing>
+    <p:tnLst>
+      <p:par>
+        <p:cTn id="1" dur="indefinite" restart="never" nodeType="tmRoot"/>
+      </p:par>
+    </p:tnLst>
+  </p:timing>
 </p:sld>
 </file>
 
@@ -6204,7 +6501,7 @@
   <a:extraClrSchemeLst/>
   <a:extLst>
     <a:ext uri="{05A4C25C-085E-4340-85A3-A5531E510DB2}">
-      <thm15:themeFamily xmlns:thm15="http://schemas.microsoft.com/office/thememl/2012/main" xmlns="" name="Office Theme" id="{62F939B6-93AF-4DB8-9C6B-D6C7DFDC589F}" vid="{4A3C46E8-61CC-4603-A589-7422A47A8E4A}"/>
+      <thm15:themeFamily xmlns="" xmlns:thm15="http://schemas.microsoft.com/office/thememl/2012/main" name="Office Theme" id="{62F939B6-93AF-4DB8-9C6B-D6C7DFDC589F}" vid="{4A3C46E8-61CC-4603-A589-7422A47A8E4A}"/>
     </a:ext>
   </a:extLst>
 </a:theme>
@@ -6465,7 +6762,7 @@
   <a:extraClrSchemeLst/>
   <a:extLst>
     <a:ext uri="{05A4C25C-085E-4340-85A3-A5531E510DB2}">
-      <thm15:themeFamily xmlns:thm15="http://schemas.microsoft.com/office/thememl/2012/main" xmlns="" name="Office Theme" id="{62F939B6-93AF-4DB8-9C6B-D6C7DFDC589F}" vid="{4A3C46E8-61CC-4603-A589-7422A47A8E4A}"/>
+      <thm15:themeFamily xmlns="" xmlns:thm15="http://schemas.microsoft.com/office/thememl/2012/main" name="Office Theme" id="{62F939B6-93AF-4DB8-9C6B-D6C7DFDC589F}" vid="{4A3C46E8-61CC-4603-A589-7422A47A8E4A}"/>
     </a:ext>
   </a:extLst>
 </a:theme>
